--- a/files/AAAI19slides.pptx
+++ b/files/AAAI19slides.pptx
@@ -6,7 +6,18 @@
   </p:sldMasterIdLst>
   <p:sldIdLst>
     <p:sldId id="256" r:id="rId2"/>
-    <p:sldId id="257" r:id="rId3"/>
+    <p:sldId id="258" r:id="rId3"/>
+    <p:sldId id="259" r:id="rId4"/>
+    <p:sldId id="260" r:id="rId5"/>
+    <p:sldId id="257" r:id="rId6"/>
+    <p:sldId id="261" r:id="rId7"/>
+    <p:sldId id="262" r:id="rId8"/>
+    <p:sldId id="263" r:id="rId9"/>
+    <p:sldId id="264" r:id="rId10"/>
+    <p:sldId id="265" r:id="rId11"/>
+    <p:sldId id="266" r:id="rId12"/>
+    <p:sldId id="268" r:id="rId13"/>
+    <p:sldId id="267" r:id="rId14"/>
   </p:sldIdLst>
   <p:sldSz cx="12192000" cy="6858000"/>
   <p:notesSz cx="6858000" cy="9144000"/>
@@ -244,7 +255,7 @@
           <a:p>
             <a:fld id="{2171AD20-57A0-F34F-8577-1A5F3D854EA0}" type="datetimeFigureOut">
               <a:rPr lang="en-US" smtClean="0"/>
-              <a:t>11/14/18</a:t>
+              <a:t>11/15/18</a:t>
             </a:fld>
             <a:endParaRPr lang="en-US"/>
           </a:p>
@@ -414,7 +425,7 @@
           <a:p>
             <a:fld id="{2171AD20-57A0-F34F-8577-1A5F3D854EA0}" type="datetimeFigureOut">
               <a:rPr lang="en-US" smtClean="0"/>
-              <a:t>11/14/18</a:t>
+              <a:t>11/15/18</a:t>
             </a:fld>
             <a:endParaRPr lang="en-US"/>
           </a:p>
@@ -594,7 +605,7 @@
           <a:p>
             <a:fld id="{2171AD20-57A0-F34F-8577-1A5F3D854EA0}" type="datetimeFigureOut">
               <a:rPr lang="en-US" smtClean="0"/>
-              <a:t>11/14/18</a:t>
+              <a:t>11/15/18</a:t>
             </a:fld>
             <a:endParaRPr lang="en-US"/>
           </a:p>
@@ -764,7 +775,7 @@
           <a:p>
             <a:fld id="{2171AD20-57A0-F34F-8577-1A5F3D854EA0}" type="datetimeFigureOut">
               <a:rPr lang="en-US" smtClean="0"/>
-              <a:t>11/14/18</a:t>
+              <a:t>11/15/18</a:t>
             </a:fld>
             <a:endParaRPr lang="en-US"/>
           </a:p>
@@ -1010,7 +1021,7 @@
           <a:p>
             <a:fld id="{2171AD20-57A0-F34F-8577-1A5F3D854EA0}" type="datetimeFigureOut">
               <a:rPr lang="en-US" smtClean="0"/>
-              <a:t>11/14/18</a:t>
+              <a:t>11/15/18</a:t>
             </a:fld>
             <a:endParaRPr lang="en-US"/>
           </a:p>
@@ -1242,7 +1253,7 @@
           <a:p>
             <a:fld id="{2171AD20-57A0-F34F-8577-1A5F3D854EA0}" type="datetimeFigureOut">
               <a:rPr lang="en-US" smtClean="0"/>
-              <a:t>11/14/18</a:t>
+              <a:t>11/15/18</a:t>
             </a:fld>
             <a:endParaRPr lang="en-US"/>
           </a:p>
@@ -1609,7 +1620,7 @@
           <a:p>
             <a:fld id="{2171AD20-57A0-F34F-8577-1A5F3D854EA0}" type="datetimeFigureOut">
               <a:rPr lang="en-US" smtClean="0"/>
-              <a:t>11/14/18</a:t>
+              <a:t>11/15/18</a:t>
             </a:fld>
             <a:endParaRPr lang="en-US"/>
           </a:p>
@@ -1727,7 +1738,7 @@
           <a:p>
             <a:fld id="{2171AD20-57A0-F34F-8577-1A5F3D854EA0}" type="datetimeFigureOut">
               <a:rPr lang="en-US" smtClean="0"/>
-              <a:t>11/14/18</a:t>
+              <a:t>11/15/18</a:t>
             </a:fld>
             <a:endParaRPr lang="en-US"/>
           </a:p>
@@ -1822,7 +1833,7 @@
           <a:p>
             <a:fld id="{2171AD20-57A0-F34F-8577-1A5F3D854EA0}" type="datetimeFigureOut">
               <a:rPr lang="en-US" smtClean="0"/>
-              <a:t>11/14/18</a:t>
+              <a:t>11/15/18</a:t>
             </a:fld>
             <a:endParaRPr lang="en-US"/>
           </a:p>
@@ -2099,7 +2110,7 @@
           <a:p>
             <a:fld id="{2171AD20-57A0-F34F-8577-1A5F3D854EA0}" type="datetimeFigureOut">
               <a:rPr lang="en-US" smtClean="0"/>
-              <a:t>11/14/18</a:t>
+              <a:t>11/15/18</a:t>
             </a:fld>
             <a:endParaRPr lang="en-US"/>
           </a:p>
@@ -2352,7 +2363,7 @@
           <a:p>
             <a:fld id="{2171AD20-57A0-F34F-8577-1A5F3D854EA0}" type="datetimeFigureOut">
               <a:rPr lang="en-US" smtClean="0"/>
-              <a:t>11/14/18</a:t>
+              <a:t>11/15/18</a:t>
             </a:fld>
             <a:endParaRPr lang="en-US"/>
           </a:p>
@@ -2565,7 +2576,7 @@
           <a:p>
             <a:fld id="{2171AD20-57A0-F34F-8577-1A5F3D854EA0}" type="datetimeFigureOut">
               <a:rPr lang="en-US" smtClean="0"/>
-              <a:t>11/14/18</a:t>
+              <a:t>11/15/18</a:t>
             </a:fld>
             <a:endParaRPr lang="en-US"/>
           </a:p>
@@ -3013,10 +3024,109 @@
         </p:nvSpPr>
         <p:spPr/>
         <p:txBody>
-          <a:bodyPr/>
-          <a:lstStyle/>
-          <a:p>
-            <a:endParaRPr lang="en-US"/>
+          <a:bodyPr>
+            <a:normAutofit fontScale="92500"/>
+          </a:bodyPr>
+          <a:lstStyle/>
+          <a:p>
+            <a:r>
+              <a:rPr lang="en-US" dirty="0"/>
+              <a:t>Songlei </a:t>
+            </a:r>
+            <a:r>
+              <a:rPr lang="en-US" dirty="0" smtClean="0"/>
+              <a:t>Jian</a:t>
+            </a:r>
+            <a:r>
+              <a:rPr lang="en-US" baseline="30000" dirty="0" smtClean="0"/>
+              <a:t>1,2</a:t>
+            </a:r>
+            <a:r>
+              <a:rPr lang="en-US" dirty="0"/>
+              <a:t>, Liang Hu</a:t>
+            </a:r>
+            <a:r>
+              <a:rPr lang="en-US" baseline="30000" dirty="0"/>
+              <a:t>2,3</a:t>
+            </a:r>
+            <a:r>
+              <a:rPr lang="en-US" dirty="0"/>
+              <a:t>, </a:t>
+            </a:r>
+            <a:r>
+              <a:rPr lang="en-US" dirty="0" err="1"/>
+              <a:t>Longbing</a:t>
+            </a:r>
+            <a:r>
+              <a:rPr lang="en-US" dirty="0"/>
+              <a:t> Cao</a:t>
+            </a:r>
+            <a:r>
+              <a:rPr lang="en-US" baseline="30000" dirty="0"/>
+              <a:t>2</a:t>
+            </a:r>
+            <a:r>
+              <a:rPr lang="en-US" dirty="0"/>
+              <a:t> , Kai </a:t>
+            </a:r>
+            <a:r>
+              <a:rPr lang="en-US" dirty="0" smtClean="0"/>
+              <a:t>Lu</a:t>
+            </a:r>
+            <a:r>
+              <a:rPr lang="en-US" baseline="30000" dirty="0" smtClean="0"/>
+              <a:t>1</a:t>
+            </a:r>
+            <a:r>
+              <a:rPr lang="en-US" dirty="0" smtClean="0"/>
+              <a:t> </a:t>
+            </a:r>
+            <a:r>
+              <a:rPr lang="en-US" dirty="0"/>
+              <a:t>, Hang </a:t>
+            </a:r>
+            <a:r>
+              <a:rPr lang="en-US" dirty="0" smtClean="0"/>
+              <a:t>Gao</a:t>
+            </a:r>
+            <a:r>
+              <a:rPr lang="en-US" baseline="30000" dirty="0" smtClean="0"/>
+              <a:t>4</a:t>
+            </a:r>
+          </a:p>
+          <a:p>
+            <a:r>
+              <a:rPr lang="en-US" baseline="30000" dirty="0"/>
+              <a:t>1</a:t>
+            </a:r>
+            <a:r>
+              <a:rPr lang="en-US" dirty="0"/>
+              <a:t>College of Computer, National University of Defense Technology, China </a:t>
+            </a:r>
+            <a:r>
+              <a:rPr lang="en-US" baseline="30000" dirty="0"/>
+              <a:t>2</a:t>
+            </a:r>
+            <a:r>
+              <a:rPr lang="en-US" dirty="0"/>
+              <a:t>Advanced Analytics Institute, University of Technology Sydney, Australia </a:t>
+            </a:r>
+            <a:r>
+              <a:rPr lang="en-US" baseline="30000" dirty="0"/>
+              <a:t>3</a:t>
+            </a:r>
+            <a:r>
+              <a:rPr lang="en-US" dirty="0"/>
+              <a:t>University of Shanghai for Science and Technology, </a:t>
+            </a:r>
+            <a:r>
+              <a:rPr lang="en-US" baseline="30000" dirty="0"/>
+              <a:t>4</a:t>
+            </a:r>
+            <a:r>
+              <a:rPr lang="en-US" dirty="0"/>
+              <a:t>Alibaba Group, China</a:t>
+            </a:r>
           </a:p>
         </p:txBody>
       </p:sp>
@@ -3024,6 +3134,451 @@
     <p:extLst>
       <p:ext uri="{BB962C8B-B14F-4D97-AF65-F5344CB8AC3E}">
         <p14:creationId xmlns:p14="http://schemas.microsoft.com/office/powerpoint/2010/main" val="1295383252"/>
+      </p:ext>
+    </p:extLst>
+  </p:cSld>
+  <p:clrMapOvr>
+    <a:masterClrMapping/>
+  </p:clrMapOvr>
+</p:sld>
+</file>
+
+<file path=ppt/slides/slide10.xml><?xml version="1.0" encoding="utf-8"?>
+<p:sld xmlns:a="http://schemas.openxmlformats.org/drawingml/2006/main" xmlns:r="http://schemas.openxmlformats.org/officeDocument/2006/relationships" xmlns:p="http://schemas.openxmlformats.org/presentationml/2006/main">
+  <p:cSld>
+    <p:spTree>
+      <p:nvGrpSpPr>
+        <p:cNvPr id="1" name=""/>
+        <p:cNvGrpSpPr/>
+        <p:nvPr/>
+      </p:nvGrpSpPr>
+      <p:grpSpPr>
+        <a:xfrm>
+          <a:off x="0" y="0"/>
+          <a:ext cx="0" cy="0"/>
+          <a:chOff x="0" y="0"/>
+          <a:chExt cx="0" cy="0"/>
+        </a:xfrm>
+      </p:grpSpPr>
+      <p:sp>
+        <p:nvSpPr>
+          <p:cNvPr id="2" name="Title 1"/>
+          <p:cNvSpPr>
+            <a:spLocks noGrp="1"/>
+          </p:cNvSpPr>
+          <p:nvPr>
+            <p:ph type="title"/>
+          </p:nvPr>
+        </p:nvSpPr>
+        <p:spPr/>
+        <p:txBody>
+          <a:bodyPr/>
+          <a:lstStyle/>
+          <a:p>
+            <a:r>
+              <a:rPr lang="en-US" altLang="zh-CN" dirty="0" smtClean="0"/>
+              <a:t>Link prediction</a:t>
+            </a:r>
+            <a:endParaRPr lang="en-US" dirty="0"/>
+          </a:p>
+        </p:txBody>
+      </p:sp>
+      <p:sp>
+        <p:nvSpPr>
+          <p:cNvPr id="3" name="Content Placeholder 2"/>
+          <p:cNvSpPr>
+            <a:spLocks noGrp="1"/>
+          </p:cNvSpPr>
+          <p:nvPr>
+            <p:ph idx="1"/>
+          </p:nvPr>
+        </p:nvSpPr>
+        <p:spPr/>
+        <p:txBody>
+          <a:bodyPr/>
+          <a:lstStyle/>
+          <a:p>
+            <a:r>
+              <a:rPr lang="en-US" altLang="zh-CN" dirty="0" smtClean="0"/>
+              <a:t>Evaluation metric: </a:t>
+            </a:r>
+            <a:r>
+              <a:rPr lang="en-US" dirty="0" err="1" smtClean="0"/>
+              <a:t>nDCG</a:t>
+            </a:r>
+            <a:endParaRPr lang="en-US" dirty="0" smtClean="0"/>
+          </a:p>
+          <a:p>
+            <a:r>
+              <a:rPr lang="en-US" dirty="0" smtClean="0"/>
+              <a:t>Data sets: </a:t>
+            </a:r>
+          </a:p>
+          <a:p>
+            <a:pPr lvl="1"/>
+            <a:r>
+              <a:rPr lang="en-US" dirty="0"/>
+              <a:t>Citation network: 29,896 nodes and 66,166 edges.</a:t>
+            </a:r>
+            <a:endParaRPr lang="en-US" dirty="0" smtClean="0"/>
+          </a:p>
+          <a:p>
+            <a:pPr lvl="1"/>
+            <a:r>
+              <a:rPr lang="en-US" dirty="0" smtClean="0"/>
+              <a:t>Coauthor </a:t>
+            </a:r>
+            <a:r>
+              <a:rPr lang="en-US" dirty="0"/>
+              <a:t>network with 1,712,433 authors and 4,258,615 edges</a:t>
+            </a:r>
+          </a:p>
+        </p:txBody>
+      </p:sp>
+      <p:pic>
+        <p:nvPicPr>
+          <p:cNvPr id="5" name="Picture 4"/>
+          <p:cNvPicPr>
+            <a:picLocks noChangeAspect="1"/>
+          </p:cNvPicPr>
+          <p:nvPr/>
+        </p:nvPicPr>
+        <p:blipFill>
+          <a:blip r:embed="rId2"/>
+          <a:stretch>
+            <a:fillRect/>
+          </a:stretch>
+        </p:blipFill>
+        <p:spPr>
+          <a:xfrm>
+            <a:off x="1924493" y="3548609"/>
+            <a:ext cx="6411433" cy="3196260"/>
+          </a:xfrm>
+          <a:prstGeom prst="rect">
+            <a:avLst/>
+          </a:prstGeom>
+        </p:spPr>
+      </p:pic>
+    </p:spTree>
+    <p:extLst>
+      <p:ext uri="{BB962C8B-B14F-4D97-AF65-F5344CB8AC3E}">
+        <p14:creationId xmlns:p14="http://schemas.microsoft.com/office/powerpoint/2010/main" val="467045146"/>
+      </p:ext>
+    </p:extLst>
+  </p:cSld>
+  <p:clrMapOvr>
+    <a:masterClrMapping/>
+  </p:clrMapOvr>
+</p:sld>
+</file>
+
+<file path=ppt/slides/slide11.xml><?xml version="1.0" encoding="utf-8"?>
+<p:sld xmlns:a="http://schemas.openxmlformats.org/drawingml/2006/main" xmlns:r="http://schemas.openxmlformats.org/officeDocument/2006/relationships" xmlns:p="http://schemas.openxmlformats.org/presentationml/2006/main">
+  <p:cSld>
+    <p:spTree>
+      <p:nvGrpSpPr>
+        <p:cNvPr id="1" name=""/>
+        <p:cNvGrpSpPr/>
+        <p:nvPr/>
+      </p:nvGrpSpPr>
+      <p:grpSpPr>
+        <a:xfrm>
+          <a:off x="0" y="0"/>
+          <a:ext cx="0" cy="0"/>
+          <a:chOff x="0" y="0"/>
+          <a:chExt cx="0" cy="0"/>
+        </a:xfrm>
+      </p:grpSpPr>
+      <p:sp>
+        <p:nvSpPr>
+          <p:cNvPr id="2" name="Title 1"/>
+          <p:cNvSpPr>
+            <a:spLocks noGrp="1"/>
+          </p:cNvSpPr>
+          <p:nvPr>
+            <p:ph type="title"/>
+          </p:nvPr>
+        </p:nvSpPr>
+        <p:spPr/>
+        <p:txBody>
+          <a:bodyPr/>
+          <a:lstStyle/>
+          <a:p>
+            <a:r>
+              <a:rPr lang="en-US" dirty="0"/>
+              <a:t>Semantic Interpretability Demonstration</a:t>
+            </a:r>
+          </a:p>
+        </p:txBody>
+      </p:sp>
+      <p:sp>
+        <p:nvSpPr>
+          <p:cNvPr id="3" name="Content Placeholder 2"/>
+          <p:cNvSpPr>
+            <a:spLocks noGrp="1"/>
+          </p:cNvSpPr>
+          <p:nvPr>
+            <p:ph idx="1"/>
+          </p:nvPr>
+        </p:nvSpPr>
+        <p:spPr/>
+        <p:txBody>
+          <a:bodyPr/>
+          <a:lstStyle/>
+          <a:p>
+            <a:r>
+              <a:rPr lang="zh-CN" altLang="en-US" dirty="0" smtClean="0"/>
+              <a:t> </a:t>
+            </a:r>
+            <a:r>
+              <a:rPr lang="en-US" dirty="0"/>
+              <a:t>The top-3 authors on aspect 1 and aspect 2 in terms of node </a:t>
+            </a:r>
+            <a:r>
+              <a:rPr lang="en-US" dirty="0" smtClean="0"/>
+              <a:t>influence in coauthor network </a:t>
+            </a:r>
+          </a:p>
+          <a:p>
+            <a:r>
+              <a:rPr lang="en-US" dirty="0"/>
+              <a:t>The top-5 papers on aspect 3 and aspect 8 in terms of the interaction </a:t>
+            </a:r>
+            <a:r>
+              <a:rPr lang="en-US" dirty="0" smtClean="0"/>
+              <a:t>scores in citation network</a:t>
+            </a:r>
+            <a:endParaRPr lang="en-US" dirty="0"/>
+          </a:p>
+        </p:txBody>
+      </p:sp>
+      <p:pic>
+        <p:nvPicPr>
+          <p:cNvPr id="4" name="Picture 3"/>
+          <p:cNvPicPr>
+            <a:picLocks noChangeAspect="1"/>
+          </p:cNvPicPr>
+          <p:nvPr/>
+        </p:nvPicPr>
+        <p:blipFill>
+          <a:blip r:embed="rId2"/>
+          <a:stretch>
+            <a:fillRect/>
+          </a:stretch>
+        </p:blipFill>
+        <p:spPr>
+          <a:xfrm>
+            <a:off x="598230" y="3586715"/>
+            <a:ext cx="5168900" cy="2895600"/>
+          </a:xfrm>
+          <a:prstGeom prst="rect">
+            <a:avLst/>
+          </a:prstGeom>
+        </p:spPr>
+      </p:pic>
+      <p:pic>
+        <p:nvPicPr>
+          <p:cNvPr id="5" name="Picture 4"/>
+          <p:cNvPicPr>
+            <a:picLocks noChangeAspect="1"/>
+          </p:cNvPicPr>
+          <p:nvPr/>
+        </p:nvPicPr>
+        <p:blipFill>
+          <a:blip r:embed="rId3"/>
+          <a:stretch>
+            <a:fillRect/>
+          </a:stretch>
+        </p:blipFill>
+        <p:spPr>
+          <a:xfrm>
+            <a:off x="5873456" y="3586715"/>
+            <a:ext cx="6032205" cy="2031680"/>
+          </a:xfrm>
+          <a:prstGeom prst="rect">
+            <a:avLst/>
+          </a:prstGeom>
+        </p:spPr>
+      </p:pic>
+    </p:spTree>
+    <p:extLst>
+      <p:ext uri="{BB962C8B-B14F-4D97-AF65-F5344CB8AC3E}">
+        <p14:creationId xmlns:p14="http://schemas.microsoft.com/office/powerpoint/2010/main" val="1529864266"/>
+      </p:ext>
+    </p:extLst>
+  </p:cSld>
+  <p:clrMapOvr>
+    <a:masterClrMapping/>
+  </p:clrMapOvr>
+</p:sld>
+</file>
+
+<file path=ppt/slides/slide12.xml><?xml version="1.0" encoding="utf-8"?>
+<p:sld xmlns:a="http://schemas.openxmlformats.org/drawingml/2006/main" xmlns:r="http://schemas.openxmlformats.org/officeDocument/2006/relationships" xmlns:p="http://schemas.openxmlformats.org/presentationml/2006/main">
+  <p:cSld>
+    <p:spTree>
+      <p:nvGrpSpPr>
+        <p:cNvPr id="1" name=""/>
+        <p:cNvGrpSpPr/>
+        <p:nvPr/>
+      </p:nvGrpSpPr>
+      <p:grpSpPr>
+        <a:xfrm>
+          <a:off x="0" y="0"/>
+          <a:ext cx="0" cy="0"/>
+          <a:chOff x="0" y="0"/>
+          <a:chExt cx="0" cy="0"/>
+        </a:xfrm>
+      </p:grpSpPr>
+      <p:sp>
+        <p:nvSpPr>
+          <p:cNvPr id="2" name="Title 1"/>
+          <p:cNvSpPr>
+            <a:spLocks noGrp="1"/>
+          </p:cNvSpPr>
+          <p:nvPr>
+            <p:ph type="title"/>
+          </p:nvPr>
+        </p:nvSpPr>
+        <p:spPr/>
+        <p:txBody>
+          <a:bodyPr/>
+          <a:lstStyle/>
+          <a:p>
+            <a:r>
+              <a:rPr lang="en-US" dirty="0" smtClean="0"/>
+              <a:t>Future work</a:t>
+            </a:r>
+            <a:endParaRPr lang="en-US" dirty="0"/>
+          </a:p>
+        </p:txBody>
+      </p:sp>
+      <p:sp>
+        <p:nvSpPr>
+          <p:cNvPr id="3" name="Content Placeholder 2"/>
+          <p:cNvSpPr>
+            <a:spLocks noGrp="1"/>
+          </p:cNvSpPr>
+          <p:nvPr>
+            <p:ph idx="1"/>
+          </p:nvPr>
+        </p:nvSpPr>
+        <p:spPr/>
+        <p:txBody>
+          <a:bodyPr/>
+          <a:lstStyle/>
+          <a:p>
+            <a:r>
+              <a:rPr lang="en-US" dirty="0" smtClean="0"/>
+              <a:t>MAI-ECS </a:t>
+            </a:r>
+            <a:r>
+              <a:rPr lang="en-US" dirty="0"/>
+              <a:t>can be extended to handle dynamical networks by modifying the evolutionary learning process to a time-dependent state model</a:t>
+            </a:r>
+            <a:r>
+              <a:rPr lang="en-US" dirty="0" smtClean="0"/>
+              <a:t>.</a:t>
+            </a:r>
+          </a:p>
+          <a:p>
+            <a:r>
+              <a:rPr lang="en-US" dirty="0" smtClean="0"/>
+              <a:t>MAI-ECS </a:t>
+            </a:r>
+            <a:r>
+              <a:rPr lang="en-US" dirty="0"/>
+              <a:t>can be customized for community detection and role detection because the multi-aspect influences can be regarded as a node’s community or roles in a network. </a:t>
+            </a:r>
+          </a:p>
+          <a:p>
+            <a:r>
+              <a:rPr lang="en-US" dirty="0" smtClean="0"/>
+              <a:t>MAI-ECS </a:t>
+            </a:r>
+            <a:r>
+              <a:rPr lang="en-US" dirty="0"/>
+              <a:t>has potential to infer the semantics of node text, such as topic deviation and text mining, as shown in the demonstration.</a:t>
+            </a:r>
+          </a:p>
+        </p:txBody>
+      </p:sp>
+    </p:spTree>
+    <p:extLst>
+      <p:ext uri="{BB962C8B-B14F-4D97-AF65-F5344CB8AC3E}">
+        <p14:creationId xmlns:p14="http://schemas.microsoft.com/office/powerpoint/2010/main" val="494814406"/>
+      </p:ext>
+    </p:extLst>
+  </p:cSld>
+  <p:clrMapOvr>
+    <a:masterClrMapping/>
+  </p:clrMapOvr>
+</p:sld>
+</file>
+
+<file path=ppt/slides/slide13.xml><?xml version="1.0" encoding="utf-8"?>
+<p:sld xmlns:a="http://schemas.openxmlformats.org/drawingml/2006/main" xmlns:r="http://schemas.openxmlformats.org/officeDocument/2006/relationships" xmlns:p="http://schemas.openxmlformats.org/presentationml/2006/main">
+  <p:cSld>
+    <p:spTree>
+      <p:nvGrpSpPr>
+        <p:cNvPr id="1" name=""/>
+        <p:cNvGrpSpPr/>
+        <p:nvPr/>
+      </p:nvGrpSpPr>
+      <p:grpSpPr>
+        <a:xfrm>
+          <a:off x="0" y="0"/>
+          <a:ext cx="0" cy="0"/>
+          <a:chOff x="0" y="0"/>
+          <a:chExt cx="0" cy="0"/>
+        </a:xfrm>
+      </p:grpSpPr>
+      <p:sp>
+        <p:nvSpPr>
+          <p:cNvPr id="2" name="Title 1"/>
+          <p:cNvSpPr>
+            <a:spLocks noGrp="1"/>
+          </p:cNvSpPr>
+          <p:nvPr>
+            <p:ph type="title"/>
+          </p:nvPr>
+        </p:nvSpPr>
+        <p:spPr/>
+        <p:txBody>
+          <a:bodyPr/>
+          <a:lstStyle/>
+          <a:p>
+            <a:r>
+              <a:rPr lang="en-US" altLang="zh-CN" dirty="0" smtClean="0"/>
+              <a:t>Thanks!</a:t>
+            </a:r>
+            <a:endParaRPr lang="en-US" dirty="0"/>
+          </a:p>
+        </p:txBody>
+      </p:sp>
+      <p:sp>
+        <p:nvSpPr>
+          <p:cNvPr id="3" name="Content Placeholder 2"/>
+          <p:cNvSpPr>
+            <a:spLocks noGrp="1"/>
+          </p:cNvSpPr>
+          <p:nvPr>
+            <p:ph idx="1"/>
+          </p:nvPr>
+        </p:nvSpPr>
+        <p:spPr/>
+        <p:txBody>
+          <a:bodyPr/>
+          <a:lstStyle/>
+          <a:p>
+            <a:endParaRPr lang="en-US"/>
+          </a:p>
+        </p:txBody>
+      </p:sp>
+    </p:spTree>
+    <p:extLst>
+      <p:ext uri="{BB962C8B-B14F-4D97-AF65-F5344CB8AC3E}">
+        <p14:creationId xmlns:p14="http://schemas.microsoft.com/office/powerpoint/2010/main" val="2834872"/>
       </p:ext>
     </p:extLst>
   </p:cSld>
@@ -3065,7 +3620,11 @@
           <a:bodyPr/>
           <a:lstStyle/>
           <a:p>
-            <a:endParaRPr lang="en-US"/>
+            <a:r>
+              <a:rPr lang="en-US" dirty="0" smtClean="0"/>
+              <a:t>Contents</a:t>
+            </a:r>
+            <a:endParaRPr lang="en-US" dirty="0"/>
           </a:p>
         </p:txBody>
       </p:sp>
@@ -3084,7 +3643,613 @@
           <a:bodyPr/>
           <a:lstStyle/>
           <a:p>
-            <a:endParaRPr lang="en-US"/>
+            <a:r>
+              <a:rPr lang="en-US" dirty="0" smtClean="0"/>
+              <a:t>Motivation &amp; </a:t>
+            </a:r>
+            <a:r>
+              <a:rPr lang="en-US" altLang="zh-CN" dirty="0" smtClean="0"/>
+              <a:t>C</a:t>
+            </a:r>
+            <a:r>
+              <a:rPr lang="en-US" dirty="0" smtClean="0"/>
+              <a:t>hallenges</a:t>
+            </a:r>
+            <a:endParaRPr lang="en-US" dirty="0" smtClean="0"/>
+          </a:p>
+          <a:p>
+            <a:r>
+              <a:rPr lang="en-US" dirty="0" smtClean="0"/>
+              <a:t>Related work</a:t>
+            </a:r>
+          </a:p>
+          <a:p>
+            <a:r>
+              <a:rPr lang="en-US" dirty="0" smtClean="0"/>
+              <a:t>Model</a:t>
+            </a:r>
+          </a:p>
+          <a:p>
+            <a:r>
+              <a:rPr lang="en-US" dirty="0" smtClean="0"/>
+              <a:t>Experiments</a:t>
+            </a:r>
+          </a:p>
+          <a:p>
+            <a:r>
+              <a:rPr lang="en-US" dirty="0" smtClean="0"/>
+              <a:t>Future work</a:t>
+            </a:r>
+            <a:endParaRPr lang="en-US" dirty="0"/>
+          </a:p>
+        </p:txBody>
+      </p:sp>
+    </p:spTree>
+    <p:extLst>
+      <p:ext uri="{BB962C8B-B14F-4D97-AF65-F5344CB8AC3E}">
+        <p14:creationId xmlns:p14="http://schemas.microsoft.com/office/powerpoint/2010/main" val="2016251049"/>
+      </p:ext>
+    </p:extLst>
+  </p:cSld>
+  <p:clrMapOvr>
+    <a:masterClrMapping/>
+  </p:clrMapOvr>
+</p:sld>
+</file>
+
+<file path=ppt/slides/slide3.xml><?xml version="1.0" encoding="utf-8"?>
+<p:sld xmlns:a="http://schemas.openxmlformats.org/drawingml/2006/main" xmlns:r="http://schemas.openxmlformats.org/officeDocument/2006/relationships" xmlns:p="http://schemas.openxmlformats.org/presentationml/2006/main">
+  <p:cSld>
+    <p:spTree>
+      <p:nvGrpSpPr>
+        <p:cNvPr id="1" name=""/>
+        <p:cNvGrpSpPr/>
+        <p:nvPr/>
+      </p:nvGrpSpPr>
+      <p:grpSpPr>
+        <a:xfrm>
+          <a:off x="0" y="0"/>
+          <a:ext cx="0" cy="0"/>
+          <a:chOff x="0" y="0"/>
+          <a:chExt cx="0" cy="0"/>
+        </a:xfrm>
+      </p:grpSpPr>
+      <p:sp>
+        <p:nvSpPr>
+          <p:cNvPr id="2" name="Title 1"/>
+          <p:cNvSpPr>
+            <a:spLocks noGrp="1"/>
+          </p:cNvSpPr>
+          <p:nvPr>
+            <p:ph type="title"/>
+          </p:nvPr>
+        </p:nvSpPr>
+        <p:spPr/>
+        <p:txBody>
+          <a:bodyPr/>
+          <a:lstStyle/>
+          <a:p>
+            <a:r>
+              <a:rPr lang="en-US" dirty="0" smtClean="0"/>
+              <a:t>Motivation</a:t>
+            </a:r>
+            <a:endParaRPr lang="en-US" dirty="0"/>
+          </a:p>
+        </p:txBody>
+      </p:sp>
+      <p:sp>
+        <p:nvSpPr>
+          <p:cNvPr id="3" name="Content Placeholder 2"/>
+          <p:cNvSpPr>
+            <a:spLocks noGrp="1"/>
+          </p:cNvSpPr>
+          <p:nvPr>
+            <p:ph idx="1"/>
+          </p:nvPr>
+        </p:nvSpPr>
+        <p:spPr/>
+        <p:txBody>
+          <a:bodyPr/>
+          <a:lstStyle/>
+          <a:p>
+            <a:r>
+              <a:rPr lang="en-US" dirty="0" smtClean="0"/>
+              <a:t>What factors drive the formation of node connection (edges)?</a:t>
+            </a:r>
+          </a:p>
+          <a:p>
+            <a:pPr lvl="1"/>
+            <a:r>
+              <a:rPr lang="en-US" altLang="zh-CN" dirty="0" smtClean="0"/>
+              <a:t>For nodes: multi-aspect influences</a:t>
+            </a:r>
+          </a:p>
+          <a:p>
+            <a:pPr lvl="1"/>
+            <a:r>
+              <a:rPr lang="en-US" dirty="0" smtClean="0"/>
+              <a:t>For edges: multi-aspect interactions</a:t>
+            </a:r>
+            <a:endParaRPr lang="en-US" dirty="0"/>
+          </a:p>
+        </p:txBody>
+      </p:sp>
+      <p:pic>
+        <p:nvPicPr>
+          <p:cNvPr id="4" name="Picture 3"/>
+          <p:cNvPicPr>
+            <a:picLocks noChangeAspect="1"/>
+          </p:cNvPicPr>
+          <p:nvPr/>
+        </p:nvPicPr>
+        <p:blipFill>
+          <a:blip r:embed="rId2"/>
+          <a:stretch>
+            <a:fillRect/>
+          </a:stretch>
+        </p:blipFill>
+        <p:spPr>
+          <a:xfrm>
+            <a:off x="2109677" y="3150486"/>
+            <a:ext cx="6781800" cy="3352800"/>
+          </a:xfrm>
+          <a:prstGeom prst="rect">
+            <a:avLst/>
+          </a:prstGeom>
+        </p:spPr>
+      </p:pic>
+      <p:sp>
+        <p:nvSpPr>
+          <p:cNvPr id="6" name="Rounded Rectangle 5"/>
+          <p:cNvSpPr/>
+          <p:nvPr/>
+        </p:nvSpPr>
+        <p:spPr>
+          <a:xfrm>
+            <a:off x="7028121" y="2432475"/>
+            <a:ext cx="5029200" cy="570909"/>
+          </a:xfrm>
+          <a:prstGeom prst="roundRect">
+            <a:avLst/>
+          </a:prstGeom>
+        </p:spPr>
+        <p:style>
+          <a:lnRef idx="2">
+            <a:schemeClr val="accent1">
+              <a:shade val="50000"/>
+            </a:schemeClr>
+          </a:lnRef>
+          <a:fillRef idx="1">
+            <a:schemeClr val="accent1"/>
+          </a:fillRef>
+          <a:effectRef idx="0">
+            <a:schemeClr val="accent1"/>
+          </a:effectRef>
+          <a:fontRef idx="minor">
+            <a:schemeClr val="lt1"/>
+          </a:fontRef>
+        </p:style>
+        <p:txBody>
+          <a:bodyPr rtlCol="0" anchor="ctr"/>
+          <a:lstStyle/>
+          <a:p>
+            <a:pPr algn="ctr"/>
+            <a:r>
+              <a:rPr lang="en-US" dirty="0"/>
+              <a:t>Jointly modeling the </a:t>
+            </a:r>
+            <a:r>
+              <a:rPr lang="en-US" dirty="0" smtClean="0"/>
+              <a:t>network structure </a:t>
+            </a:r>
+            <a:r>
+              <a:rPr lang="en-US" dirty="0"/>
+              <a:t>and node content in </a:t>
+            </a:r>
+            <a:r>
+              <a:rPr lang="en-US" sz="2000" dirty="0"/>
+              <a:t>network</a:t>
+            </a:r>
+            <a:r>
+              <a:rPr lang="en-US" dirty="0"/>
+              <a:t> representation</a:t>
+            </a:r>
+            <a:r>
+              <a:rPr lang="en-US" dirty="0" smtClean="0"/>
+              <a:t>.</a:t>
+            </a:r>
+            <a:endParaRPr lang="en-US" dirty="0"/>
+          </a:p>
+        </p:txBody>
+      </p:sp>
+    </p:spTree>
+    <p:extLst>
+      <p:ext uri="{BB962C8B-B14F-4D97-AF65-F5344CB8AC3E}">
+        <p14:creationId xmlns:p14="http://schemas.microsoft.com/office/powerpoint/2010/main" val="403168016"/>
+      </p:ext>
+    </p:extLst>
+  </p:cSld>
+  <p:clrMapOvr>
+    <a:masterClrMapping/>
+  </p:clrMapOvr>
+</p:sld>
+</file>
+
+<file path=ppt/slides/slide4.xml><?xml version="1.0" encoding="utf-8"?>
+<p:sld xmlns:a="http://schemas.openxmlformats.org/drawingml/2006/main" xmlns:r="http://schemas.openxmlformats.org/officeDocument/2006/relationships" xmlns:p="http://schemas.openxmlformats.org/presentationml/2006/main">
+  <p:cSld>
+    <p:spTree>
+      <p:nvGrpSpPr>
+        <p:cNvPr id="1" name=""/>
+        <p:cNvGrpSpPr/>
+        <p:nvPr/>
+      </p:nvGrpSpPr>
+      <p:grpSpPr>
+        <a:xfrm>
+          <a:off x="0" y="0"/>
+          <a:ext cx="0" cy="0"/>
+          <a:chOff x="0" y="0"/>
+          <a:chExt cx="0" cy="0"/>
+        </a:xfrm>
+      </p:grpSpPr>
+      <p:sp>
+        <p:nvSpPr>
+          <p:cNvPr id="2" name="Title 1"/>
+          <p:cNvSpPr>
+            <a:spLocks noGrp="1"/>
+          </p:cNvSpPr>
+          <p:nvPr>
+            <p:ph type="title"/>
+          </p:nvPr>
+        </p:nvSpPr>
+        <p:spPr/>
+        <p:txBody>
+          <a:bodyPr/>
+          <a:lstStyle/>
+          <a:p>
+            <a:r>
+              <a:rPr lang="en-US" dirty="0" smtClean="0"/>
+              <a:t>Challenges</a:t>
+            </a:r>
+            <a:endParaRPr lang="en-US" dirty="0"/>
+          </a:p>
+        </p:txBody>
+      </p:sp>
+      <p:sp>
+        <p:nvSpPr>
+          <p:cNvPr id="3" name="Content Placeholder 2"/>
+          <p:cNvSpPr>
+            <a:spLocks noGrp="1"/>
+          </p:cNvSpPr>
+          <p:nvPr>
+            <p:ph idx="1"/>
+          </p:nvPr>
+        </p:nvSpPr>
+        <p:spPr/>
+        <p:txBody>
+          <a:bodyPr/>
+          <a:lstStyle/>
+          <a:p>
+            <a:r>
+              <a:rPr lang="en-US" altLang="zh-CN" dirty="0" smtClean="0"/>
+              <a:t>It is critical</a:t>
+            </a:r>
+            <a:r>
+              <a:rPr lang="zh-CN" altLang="en-US" dirty="0" smtClean="0"/>
+              <a:t> </a:t>
+            </a:r>
+            <a:r>
+              <a:rPr lang="en-US" altLang="zh-CN" dirty="0" smtClean="0"/>
+              <a:t>and challenging to </a:t>
+            </a:r>
+            <a:r>
+              <a:rPr lang="en-US" dirty="0" smtClean="0"/>
+              <a:t>represent multi</a:t>
+            </a:r>
+            <a:r>
+              <a:rPr lang="en-US" altLang="zh-CN" dirty="0" smtClean="0"/>
+              <a:t>-</a:t>
+            </a:r>
+            <a:r>
+              <a:rPr lang="en-US" dirty="0" smtClean="0"/>
+              <a:t>aspect </a:t>
+            </a:r>
+            <a:r>
+              <a:rPr lang="en-US" dirty="0"/>
+              <a:t>and heterogeneous interactions and influences between nodes (objects</a:t>
+            </a:r>
+            <a:r>
+              <a:rPr lang="en-US" dirty="0" smtClean="0"/>
+              <a:t>)</a:t>
+            </a:r>
+          </a:p>
+          <a:p>
+            <a:r>
+              <a:rPr lang="en-US" dirty="0"/>
+              <a:t>This requires to involve, model and </a:t>
+            </a:r>
+            <a:r>
+              <a:rPr lang="en-US" dirty="0" smtClean="0"/>
+              <a:t>integrate:</a:t>
+            </a:r>
+          </a:p>
+          <a:p>
+            <a:pPr lvl="1"/>
+            <a:r>
+              <a:rPr lang="en-US" dirty="0" smtClean="0"/>
+              <a:t>(1) Explicit </a:t>
+            </a:r>
+            <a:r>
+              <a:rPr lang="en-US" dirty="0"/>
+              <a:t>and heterogeneous sources of node content information (e.g., paper’s title and/or abstract) and network topological structure (e.g., paper citations</a:t>
+            </a:r>
+            <a:r>
+              <a:rPr lang="en-US" dirty="0" smtClean="0"/>
+              <a:t>)</a:t>
+            </a:r>
+          </a:p>
+          <a:p>
+            <a:pPr lvl="1"/>
+            <a:r>
+              <a:rPr lang="en-US" dirty="0" smtClean="0"/>
+              <a:t>(2) Implicit </a:t>
+            </a:r>
+            <a:r>
+              <a:rPr lang="en-US" dirty="0"/>
+              <a:t>and heterogeneous aspects of node influences (e.g., a paper’s topic uniqueness and design novelty) and node interactions (e.g., a paper cites the algorithm introduced in another paper).</a:t>
+            </a:r>
+          </a:p>
+        </p:txBody>
+      </p:sp>
+    </p:spTree>
+    <p:extLst>
+      <p:ext uri="{BB962C8B-B14F-4D97-AF65-F5344CB8AC3E}">
+        <p14:creationId xmlns:p14="http://schemas.microsoft.com/office/powerpoint/2010/main" val="74920503"/>
+      </p:ext>
+    </p:extLst>
+  </p:cSld>
+  <p:clrMapOvr>
+    <a:masterClrMapping/>
+  </p:clrMapOvr>
+</p:sld>
+</file>
+
+<file path=ppt/slides/slide5.xml><?xml version="1.0" encoding="utf-8"?>
+<p:sld xmlns:a="http://schemas.openxmlformats.org/drawingml/2006/main" xmlns:r="http://schemas.openxmlformats.org/officeDocument/2006/relationships" xmlns:p="http://schemas.openxmlformats.org/presentationml/2006/main">
+  <p:cSld>
+    <p:spTree>
+      <p:nvGrpSpPr>
+        <p:cNvPr id="1" name=""/>
+        <p:cNvGrpSpPr/>
+        <p:nvPr/>
+      </p:nvGrpSpPr>
+      <p:grpSpPr>
+        <a:xfrm>
+          <a:off x="0" y="0"/>
+          <a:ext cx="0" cy="0"/>
+          <a:chOff x="0" y="0"/>
+          <a:chExt cx="0" cy="0"/>
+        </a:xfrm>
+      </p:grpSpPr>
+      <p:sp>
+        <p:nvSpPr>
+          <p:cNvPr id="2" name="Title 1"/>
+          <p:cNvSpPr>
+            <a:spLocks noGrp="1"/>
+          </p:cNvSpPr>
+          <p:nvPr>
+            <p:ph type="title"/>
+          </p:nvPr>
+        </p:nvSpPr>
+        <p:spPr/>
+        <p:txBody>
+          <a:bodyPr/>
+          <a:lstStyle/>
+          <a:p>
+            <a:r>
+              <a:rPr lang="en-US" dirty="0" smtClean="0"/>
+              <a:t>Related work</a:t>
+            </a:r>
+            <a:endParaRPr lang="en-US" dirty="0"/>
+          </a:p>
+        </p:txBody>
+      </p:sp>
+      <p:sp>
+        <p:nvSpPr>
+          <p:cNvPr id="3" name="Content Placeholder 2"/>
+          <p:cNvSpPr>
+            <a:spLocks noGrp="1"/>
+          </p:cNvSpPr>
+          <p:nvPr>
+            <p:ph idx="1"/>
+          </p:nvPr>
+        </p:nvSpPr>
+        <p:spPr/>
+        <p:txBody>
+          <a:bodyPr/>
+          <a:lstStyle/>
+          <a:p>
+            <a:r>
+              <a:rPr lang="en-US" dirty="0"/>
+              <a:t>Plain Network </a:t>
+            </a:r>
+            <a:r>
+              <a:rPr lang="en-US" dirty="0" smtClean="0"/>
+              <a:t>Representation</a:t>
+            </a:r>
+          </a:p>
+          <a:p>
+            <a:pPr lvl="1"/>
+            <a:r>
+              <a:rPr lang="en-US" altLang="zh-CN" dirty="0" smtClean="0"/>
+              <a:t>F</a:t>
+            </a:r>
+            <a:r>
+              <a:rPr lang="en-US" dirty="0" smtClean="0"/>
+              <a:t>actorizing the </a:t>
+            </a:r>
+            <a:r>
+              <a:rPr lang="en-US" dirty="0"/>
+              <a:t>node proximity </a:t>
+            </a:r>
+            <a:r>
+              <a:rPr lang="en-US" dirty="0" smtClean="0"/>
+              <a:t>matrix</a:t>
+            </a:r>
+            <a:r>
+              <a:rPr lang="zh-CN" altLang="en-US" dirty="0" smtClean="0"/>
+              <a:t> </a:t>
+            </a:r>
+            <a:r>
+              <a:rPr lang="en-US" altLang="zh-CN" dirty="0" smtClean="0"/>
+              <a:t>directly, e.g., </a:t>
+            </a:r>
+            <a:r>
+              <a:rPr lang="en-US" dirty="0" smtClean="0"/>
+              <a:t>Dimension reduction methods</a:t>
+            </a:r>
+          </a:p>
+          <a:p>
+            <a:pPr lvl="1"/>
+            <a:r>
+              <a:rPr lang="en-US" dirty="0" smtClean="0"/>
+              <a:t>Combining </a:t>
+            </a:r>
+            <a:r>
+              <a:rPr lang="en-US" dirty="0"/>
+              <a:t>the random walk and word </a:t>
+            </a:r>
+            <a:r>
+              <a:rPr lang="en-US" dirty="0" smtClean="0"/>
+              <a:t>embedding, e.g., </a:t>
+            </a:r>
+            <a:r>
+              <a:rPr lang="en-US" dirty="0" err="1" smtClean="0"/>
+              <a:t>Deepwalk</a:t>
+            </a:r>
+            <a:r>
+              <a:rPr lang="en-US" dirty="0" smtClean="0"/>
+              <a:t>, Node2vec</a:t>
+            </a:r>
+          </a:p>
+          <a:p>
+            <a:pPr lvl="1"/>
+            <a:r>
+              <a:rPr lang="en-US" altLang="zh-CN" dirty="0" smtClean="0"/>
+              <a:t>Using </a:t>
+            </a:r>
+            <a:r>
+              <a:rPr lang="en-US" altLang="zh-CN" dirty="0" err="1"/>
+              <a:t>A</a:t>
+            </a:r>
+            <a:r>
+              <a:rPr lang="en-US" altLang="zh-CN" dirty="0" err="1" smtClean="0"/>
+              <a:t>utoencoder</a:t>
+            </a:r>
+            <a:r>
+              <a:rPr lang="zh-CN" altLang="en-US" dirty="0" smtClean="0"/>
+              <a:t> </a:t>
+            </a:r>
+            <a:r>
+              <a:rPr lang="en-US" altLang="zh-CN" dirty="0" smtClean="0"/>
+              <a:t>and </a:t>
+            </a:r>
+            <a:r>
+              <a:rPr lang="en-US" dirty="0"/>
+              <a:t>graph Laplacian </a:t>
+            </a:r>
+            <a:r>
+              <a:rPr lang="en-US" dirty="0" err="1" smtClean="0"/>
+              <a:t>eigenmaps</a:t>
+            </a:r>
+            <a:r>
+              <a:rPr lang="en-US" dirty="0" smtClean="0"/>
+              <a:t>, e.g., SDNE</a:t>
+            </a:r>
+          </a:p>
+          <a:p>
+            <a:r>
+              <a:rPr lang="en-US" dirty="0"/>
+              <a:t>Attributed Network </a:t>
+            </a:r>
+            <a:r>
+              <a:rPr lang="en-US" dirty="0" smtClean="0"/>
+              <a:t>Representation</a:t>
+            </a:r>
+          </a:p>
+          <a:p>
+            <a:pPr lvl="1"/>
+            <a:r>
+              <a:rPr lang="en-US" dirty="0" smtClean="0"/>
+              <a:t>Matrix factorization, e.g., TADW</a:t>
+            </a:r>
+          </a:p>
+          <a:p>
+            <a:pPr lvl="1"/>
+            <a:r>
+              <a:rPr lang="en-US" dirty="0" smtClean="0"/>
+              <a:t>Deep learning based methods, e.g., </a:t>
+            </a:r>
+            <a:r>
+              <a:rPr lang="en-US" dirty="0" err="1" smtClean="0"/>
+              <a:t>TriNDR</a:t>
+            </a:r>
+            <a:r>
+              <a:rPr lang="en-US" dirty="0" smtClean="0"/>
+              <a:t>, CANE</a:t>
+            </a:r>
+          </a:p>
+          <a:p>
+            <a:pPr lvl="2"/>
+            <a:r>
+              <a:rPr lang="en-US" altLang="zh-CN" dirty="0" smtClean="0"/>
+              <a:t>Modelling network and content independently</a:t>
+            </a:r>
+            <a:endParaRPr lang="en-US" dirty="0"/>
+          </a:p>
+        </p:txBody>
+      </p:sp>
+      <p:sp>
+        <p:nvSpPr>
+          <p:cNvPr id="4" name="Rounded Rectangle 3"/>
+          <p:cNvSpPr/>
+          <p:nvPr/>
+        </p:nvSpPr>
+        <p:spPr>
+          <a:xfrm>
+            <a:off x="3444948" y="5453949"/>
+            <a:ext cx="7176977" cy="723014"/>
+          </a:xfrm>
+          <a:prstGeom prst="roundRect">
+            <a:avLst/>
+          </a:prstGeom>
+        </p:spPr>
+        <p:style>
+          <a:lnRef idx="2">
+            <a:schemeClr val="accent1">
+              <a:shade val="50000"/>
+            </a:schemeClr>
+          </a:lnRef>
+          <a:fillRef idx="1">
+            <a:schemeClr val="accent1"/>
+          </a:fillRef>
+          <a:effectRef idx="0">
+            <a:schemeClr val="accent1"/>
+          </a:effectRef>
+          <a:fontRef idx="minor">
+            <a:schemeClr val="lt1"/>
+          </a:fontRef>
+        </p:style>
+        <p:txBody>
+          <a:bodyPr rtlCol="0" anchor="ctr"/>
+          <a:lstStyle/>
+          <a:p>
+            <a:pPr algn="ctr"/>
+            <a:r>
+              <a:rPr lang="en-US" sz="2000" dirty="0" smtClean="0"/>
+              <a:t>Shallow combination of network structure and node content</a:t>
+            </a:r>
+            <a:endParaRPr lang="en-US" sz="2000" dirty="0"/>
           </a:p>
         </p:txBody>
       </p:sp>
@@ -3092,6 +4257,733 @@
     <p:extLst>
       <p:ext uri="{BB962C8B-B14F-4D97-AF65-F5344CB8AC3E}">
         <p14:creationId xmlns:p14="http://schemas.microsoft.com/office/powerpoint/2010/main" val="59123683"/>
+      </p:ext>
+    </p:extLst>
+  </p:cSld>
+  <p:clrMapOvr>
+    <a:masterClrMapping/>
+  </p:clrMapOvr>
+</p:sld>
+</file>
+
+<file path=ppt/slides/slide6.xml><?xml version="1.0" encoding="utf-8"?>
+<p:sld xmlns:a="http://schemas.openxmlformats.org/drawingml/2006/main" xmlns:r="http://schemas.openxmlformats.org/officeDocument/2006/relationships" xmlns:p="http://schemas.openxmlformats.org/presentationml/2006/main">
+  <p:cSld>
+    <p:spTree>
+      <p:nvGrpSpPr>
+        <p:cNvPr id="1" name=""/>
+        <p:cNvGrpSpPr/>
+        <p:nvPr/>
+      </p:nvGrpSpPr>
+      <p:grpSpPr>
+        <a:xfrm>
+          <a:off x="0" y="0"/>
+          <a:ext cx="0" cy="0"/>
+          <a:chOff x="0" y="0"/>
+          <a:chExt cx="0" cy="0"/>
+        </a:xfrm>
+      </p:grpSpPr>
+      <p:sp>
+        <p:nvSpPr>
+          <p:cNvPr id="2" name="Title 1"/>
+          <p:cNvSpPr>
+            <a:spLocks noGrp="1"/>
+          </p:cNvSpPr>
+          <p:nvPr>
+            <p:ph type="title"/>
+          </p:nvPr>
+        </p:nvSpPr>
+        <p:spPr/>
+        <p:txBody>
+          <a:bodyPr/>
+          <a:lstStyle/>
+          <a:p>
+            <a:r>
+              <a:rPr lang="en-US" dirty="0" smtClean="0"/>
+              <a:t>Model</a:t>
+            </a:r>
+            <a:r>
+              <a:rPr lang="zh-CN" altLang="en-US" dirty="0" smtClean="0"/>
+              <a:t> </a:t>
+            </a:r>
+            <a:r>
+              <a:rPr lang="en-US" altLang="zh-CN" dirty="0" smtClean="0"/>
+              <a:t>framework</a:t>
+            </a:r>
+            <a:endParaRPr lang="en-US" dirty="0"/>
+          </a:p>
+        </p:txBody>
+      </p:sp>
+      <p:sp>
+        <p:nvSpPr>
+          <p:cNvPr id="3" name="Content Placeholder 2"/>
+          <p:cNvSpPr>
+            <a:spLocks noGrp="1"/>
+          </p:cNvSpPr>
+          <p:nvPr>
+            <p:ph idx="1"/>
+          </p:nvPr>
+        </p:nvSpPr>
+        <p:spPr/>
+        <p:txBody>
+          <a:bodyPr/>
+          <a:lstStyle/>
+          <a:p>
+            <a:r>
+              <a:rPr lang="en-US" dirty="0"/>
+              <a:t>Multi-aspect Evolutionary Coupled Systems</a:t>
+            </a:r>
+          </a:p>
+        </p:txBody>
+      </p:sp>
+      <p:pic>
+        <p:nvPicPr>
+          <p:cNvPr id="4" name="Picture 3"/>
+          <p:cNvPicPr>
+            <a:picLocks noChangeAspect="1"/>
+          </p:cNvPicPr>
+          <p:nvPr/>
+        </p:nvPicPr>
+        <p:blipFill>
+          <a:blip r:embed="rId2"/>
+          <a:stretch>
+            <a:fillRect/>
+          </a:stretch>
+        </p:blipFill>
+        <p:spPr>
+          <a:xfrm>
+            <a:off x="1682750" y="3086894"/>
+            <a:ext cx="8115300" cy="3454400"/>
+          </a:xfrm>
+          <a:prstGeom prst="rect">
+            <a:avLst/>
+          </a:prstGeom>
+        </p:spPr>
+      </p:pic>
+      <p:pic>
+        <p:nvPicPr>
+          <p:cNvPr id="5" name="Picture 4"/>
+          <p:cNvPicPr>
+            <a:picLocks noChangeAspect="1"/>
+          </p:cNvPicPr>
+          <p:nvPr/>
+        </p:nvPicPr>
+        <p:blipFill>
+          <a:blip r:embed="rId3"/>
+          <a:stretch>
+            <a:fillRect/>
+          </a:stretch>
+        </p:blipFill>
+        <p:spPr>
+          <a:xfrm>
+            <a:off x="1193800" y="2401684"/>
+            <a:ext cx="4902200" cy="812800"/>
+          </a:xfrm>
+          <a:prstGeom prst="rect">
+            <a:avLst/>
+          </a:prstGeom>
+        </p:spPr>
+      </p:pic>
+    </p:spTree>
+    <p:extLst>
+      <p:ext uri="{BB962C8B-B14F-4D97-AF65-F5344CB8AC3E}">
+        <p14:creationId xmlns:p14="http://schemas.microsoft.com/office/powerpoint/2010/main" val="1074754073"/>
+      </p:ext>
+    </p:extLst>
+  </p:cSld>
+  <p:clrMapOvr>
+    <a:masterClrMapping/>
+  </p:clrMapOvr>
+</p:sld>
+</file>
+
+<file path=ppt/slides/slide7.xml><?xml version="1.0" encoding="utf-8"?>
+<p:sld xmlns:a="http://schemas.openxmlformats.org/drawingml/2006/main" xmlns:r="http://schemas.openxmlformats.org/officeDocument/2006/relationships" xmlns:p="http://schemas.openxmlformats.org/presentationml/2006/main">
+  <p:cSld>
+    <p:spTree>
+      <p:nvGrpSpPr>
+        <p:cNvPr id="1" name=""/>
+        <p:cNvGrpSpPr/>
+        <p:nvPr/>
+      </p:nvGrpSpPr>
+      <p:grpSpPr>
+        <a:xfrm>
+          <a:off x="0" y="0"/>
+          <a:ext cx="0" cy="0"/>
+          <a:chOff x="0" y="0"/>
+          <a:chExt cx="0" cy="0"/>
+        </a:xfrm>
+      </p:grpSpPr>
+      <p:sp>
+        <p:nvSpPr>
+          <p:cNvPr id="2" name="Title 1"/>
+          <p:cNvSpPr>
+            <a:spLocks noGrp="1"/>
+          </p:cNvSpPr>
+          <p:nvPr>
+            <p:ph type="title"/>
+          </p:nvPr>
+        </p:nvSpPr>
+        <p:spPr/>
+        <p:txBody>
+          <a:bodyPr/>
+          <a:lstStyle/>
+          <a:p>
+            <a:r>
+              <a:rPr lang="en-US" altLang="zh-CN" dirty="0" smtClean="0"/>
+              <a:t>Model</a:t>
+            </a:r>
+            <a:endParaRPr lang="en-US" dirty="0"/>
+          </a:p>
+        </p:txBody>
+      </p:sp>
+      <p:sp>
+        <p:nvSpPr>
+          <p:cNvPr id="3" name="Content Placeholder 2"/>
+          <p:cNvSpPr>
+            <a:spLocks noGrp="1"/>
+          </p:cNvSpPr>
+          <p:nvPr>
+            <p:ph idx="1"/>
+          </p:nvPr>
+        </p:nvSpPr>
+        <p:spPr/>
+        <p:txBody>
+          <a:bodyPr/>
+          <a:lstStyle/>
+          <a:p>
+            <a:r>
+              <a:rPr lang="en-US" dirty="0"/>
+              <a:t>Multi-aspect Interaction Learning </a:t>
+            </a:r>
+            <a:r>
+              <a:rPr lang="en-US" dirty="0" smtClean="0"/>
+              <a:t>System</a:t>
+            </a:r>
+          </a:p>
+          <a:p>
+            <a:pPr lvl="1"/>
+            <a:r>
+              <a:rPr lang="en-US" dirty="0"/>
+              <a:t>Node Representation </a:t>
+            </a:r>
+            <a:r>
+              <a:rPr lang="en-US" dirty="0" smtClean="0"/>
+              <a:t>Model</a:t>
+            </a:r>
+            <a:r>
+              <a:rPr lang="zh-CN" altLang="en-US" dirty="0" smtClean="0"/>
+              <a:t> </a:t>
+            </a:r>
+            <a:endParaRPr lang="en-US" altLang="zh-CN" dirty="0"/>
+          </a:p>
+          <a:p>
+            <a:pPr lvl="2"/>
+            <a:r>
+              <a:rPr lang="en-US" altLang="zh-CN" dirty="0" smtClean="0"/>
+              <a:t>Embedding nodes and content with neural network</a:t>
+            </a:r>
+          </a:p>
+          <a:p>
+            <a:pPr lvl="1"/>
+            <a:r>
+              <a:rPr lang="en-US" dirty="0"/>
+              <a:t>Interaction Scoring </a:t>
+            </a:r>
+            <a:r>
+              <a:rPr lang="en-US" dirty="0" smtClean="0"/>
+              <a:t>Model</a:t>
+            </a:r>
+          </a:p>
+          <a:p>
+            <a:pPr lvl="2"/>
+            <a:r>
+              <a:rPr lang="en-US" altLang="zh-CN" dirty="0" smtClean="0"/>
+              <a:t>Modelling multi-aspect interaction between nodes</a:t>
+            </a:r>
+            <a:endParaRPr lang="en-US" dirty="0" smtClean="0"/>
+          </a:p>
+          <a:p>
+            <a:r>
+              <a:rPr lang="en-US" dirty="0"/>
+              <a:t>Multi-aspect Influence Propagation </a:t>
+            </a:r>
+            <a:r>
+              <a:rPr lang="en-US" dirty="0" smtClean="0"/>
+              <a:t>System</a:t>
+            </a:r>
+          </a:p>
+          <a:p>
+            <a:pPr lvl="1"/>
+            <a:r>
+              <a:rPr lang="en-US" dirty="0" smtClean="0"/>
+              <a:t>Involving dynamic system to learn a stable state</a:t>
+            </a:r>
+          </a:p>
+          <a:p>
+            <a:pPr lvl="1"/>
+            <a:endParaRPr lang="en-US" dirty="0"/>
+          </a:p>
+          <a:p>
+            <a:pPr lvl="1"/>
+            <a:endParaRPr lang="en-US" dirty="0" smtClean="0"/>
+          </a:p>
+          <a:p>
+            <a:r>
+              <a:rPr lang="en-US" dirty="0"/>
+              <a:t>Evolutionary Learning Process</a:t>
+            </a:r>
+          </a:p>
+        </p:txBody>
+      </p:sp>
+      <p:pic>
+        <p:nvPicPr>
+          <p:cNvPr id="4" name="Picture 3"/>
+          <p:cNvPicPr>
+            <a:picLocks noChangeAspect="1"/>
+          </p:cNvPicPr>
+          <p:nvPr/>
+        </p:nvPicPr>
+        <p:blipFill>
+          <a:blip r:embed="rId2"/>
+          <a:stretch>
+            <a:fillRect/>
+          </a:stretch>
+        </p:blipFill>
+        <p:spPr>
+          <a:xfrm>
+            <a:off x="2091956" y="4617780"/>
+            <a:ext cx="2819400" cy="939800"/>
+          </a:xfrm>
+          <a:prstGeom prst="rect">
+            <a:avLst/>
+          </a:prstGeom>
+        </p:spPr>
+      </p:pic>
+      <p:pic>
+        <p:nvPicPr>
+          <p:cNvPr id="6" name="Picture 5"/>
+          <p:cNvPicPr>
+            <a:picLocks noChangeAspect="1"/>
+          </p:cNvPicPr>
+          <p:nvPr/>
+        </p:nvPicPr>
+        <p:blipFill>
+          <a:blip r:embed="rId3"/>
+          <a:stretch>
+            <a:fillRect/>
+          </a:stretch>
+        </p:blipFill>
+        <p:spPr>
+          <a:xfrm>
+            <a:off x="7612910" y="3307774"/>
+            <a:ext cx="4423291" cy="2620011"/>
+          </a:xfrm>
+          <a:prstGeom prst="rect">
+            <a:avLst/>
+          </a:prstGeom>
+        </p:spPr>
+      </p:pic>
+    </p:spTree>
+    <p:extLst>
+      <p:ext uri="{BB962C8B-B14F-4D97-AF65-F5344CB8AC3E}">
+        <p14:creationId xmlns:p14="http://schemas.microsoft.com/office/powerpoint/2010/main" val="80359040"/>
+      </p:ext>
+    </p:extLst>
+  </p:cSld>
+  <p:clrMapOvr>
+    <a:masterClrMapping/>
+  </p:clrMapOvr>
+</p:sld>
+</file>
+
+<file path=ppt/slides/slide8.xml><?xml version="1.0" encoding="utf-8"?>
+<p:sld xmlns:a="http://schemas.openxmlformats.org/drawingml/2006/main" xmlns:r="http://schemas.openxmlformats.org/officeDocument/2006/relationships" xmlns:p="http://schemas.openxmlformats.org/presentationml/2006/main">
+  <p:cSld>
+    <p:spTree>
+      <p:nvGrpSpPr>
+        <p:cNvPr id="1" name=""/>
+        <p:cNvGrpSpPr/>
+        <p:nvPr/>
+      </p:nvGrpSpPr>
+      <p:grpSpPr>
+        <a:xfrm>
+          <a:off x="0" y="0"/>
+          <a:ext cx="0" cy="0"/>
+          <a:chOff x="0" y="0"/>
+          <a:chExt cx="0" cy="0"/>
+        </a:xfrm>
+      </p:grpSpPr>
+      <p:sp>
+        <p:nvSpPr>
+          <p:cNvPr id="2" name="Title 1"/>
+          <p:cNvSpPr>
+            <a:spLocks noGrp="1"/>
+          </p:cNvSpPr>
+          <p:nvPr>
+            <p:ph type="title"/>
+          </p:nvPr>
+        </p:nvSpPr>
+        <p:spPr/>
+        <p:txBody>
+          <a:bodyPr/>
+          <a:lstStyle/>
+          <a:p>
+            <a:r>
+              <a:rPr lang="en-US" dirty="0" smtClean="0"/>
+              <a:t>Experiments</a:t>
+            </a:r>
+            <a:endParaRPr lang="en-US" dirty="0"/>
+          </a:p>
+        </p:txBody>
+      </p:sp>
+      <p:sp>
+        <p:nvSpPr>
+          <p:cNvPr id="3" name="Content Placeholder 2"/>
+          <p:cNvSpPr>
+            <a:spLocks noGrp="1"/>
+          </p:cNvSpPr>
+          <p:nvPr>
+            <p:ph idx="1"/>
+          </p:nvPr>
+        </p:nvSpPr>
+        <p:spPr/>
+        <p:txBody>
+          <a:bodyPr/>
+          <a:lstStyle/>
+          <a:p>
+            <a:r>
+              <a:rPr lang="en-US" altLang="zh-CN" dirty="0" smtClean="0"/>
+              <a:t>Effectiveness evaluation</a:t>
+            </a:r>
+          </a:p>
+          <a:p>
+            <a:pPr lvl="1"/>
+            <a:r>
+              <a:rPr lang="en-US" altLang="zh-CN" dirty="0"/>
+              <a:t>N</a:t>
+            </a:r>
+            <a:r>
+              <a:rPr lang="en-US" altLang="zh-CN" dirty="0" smtClean="0"/>
+              <a:t>ode classification</a:t>
+            </a:r>
+          </a:p>
+          <a:p>
+            <a:pPr lvl="1"/>
+            <a:r>
+              <a:rPr lang="en-US" altLang="zh-CN" dirty="0" smtClean="0"/>
+              <a:t>Link prediction</a:t>
+            </a:r>
+          </a:p>
+          <a:p>
+            <a:r>
+              <a:rPr lang="en-US" dirty="0"/>
+              <a:t>Semantic Interpretability </a:t>
+            </a:r>
+            <a:r>
+              <a:rPr lang="en-US" dirty="0" smtClean="0"/>
+              <a:t>Demonstration</a:t>
+            </a:r>
+          </a:p>
+          <a:p>
+            <a:pPr lvl="1"/>
+            <a:r>
+              <a:rPr lang="en-US" dirty="0" smtClean="0"/>
+              <a:t>Multi-aspect node influences</a:t>
+            </a:r>
+          </a:p>
+          <a:p>
+            <a:pPr lvl="1"/>
+            <a:r>
+              <a:rPr lang="en-US" dirty="0" smtClean="0"/>
+              <a:t>Multi-aspect </a:t>
+            </a:r>
+            <a:r>
+              <a:rPr lang="en-US" dirty="0" err="1" smtClean="0"/>
+              <a:t>intereactions</a:t>
+            </a:r>
+            <a:endParaRPr lang="en-US" dirty="0"/>
+          </a:p>
+        </p:txBody>
+      </p:sp>
+    </p:spTree>
+    <p:extLst>
+      <p:ext uri="{BB962C8B-B14F-4D97-AF65-F5344CB8AC3E}">
+        <p14:creationId xmlns:p14="http://schemas.microsoft.com/office/powerpoint/2010/main" val="1338418814"/>
+      </p:ext>
+    </p:extLst>
+  </p:cSld>
+  <p:clrMapOvr>
+    <a:masterClrMapping/>
+  </p:clrMapOvr>
+</p:sld>
+</file>
+
+<file path=ppt/slides/slide9.xml><?xml version="1.0" encoding="utf-8"?>
+<p:sld xmlns:a="http://schemas.openxmlformats.org/drawingml/2006/main" xmlns:r="http://schemas.openxmlformats.org/officeDocument/2006/relationships" xmlns:p="http://schemas.openxmlformats.org/presentationml/2006/main">
+  <p:cSld>
+    <p:spTree>
+      <p:nvGrpSpPr>
+        <p:cNvPr id="1" name=""/>
+        <p:cNvGrpSpPr/>
+        <p:nvPr/>
+      </p:nvGrpSpPr>
+      <p:grpSpPr>
+        <a:xfrm>
+          <a:off x="0" y="0"/>
+          <a:ext cx="0" cy="0"/>
+          <a:chOff x="0" y="0"/>
+          <a:chExt cx="0" cy="0"/>
+        </a:xfrm>
+      </p:grpSpPr>
+      <p:sp>
+        <p:nvSpPr>
+          <p:cNvPr id="2" name="Title 1"/>
+          <p:cNvSpPr>
+            <a:spLocks noGrp="1"/>
+          </p:cNvSpPr>
+          <p:nvPr>
+            <p:ph type="title"/>
+          </p:nvPr>
+        </p:nvSpPr>
+        <p:spPr/>
+        <p:txBody>
+          <a:bodyPr/>
+          <a:lstStyle/>
+          <a:p>
+            <a:r>
+              <a:rPr lang="en-US" dirty="0" smtClean="0"/>
+              <a:t>Node classification</a:t>
+            </a:r>
+            <a:endParaRPr lang="en-US" dirty="0"/>
+          </a:p>
+        </p:txBody>
+      </p:sp>
+      <p:sp>
+        <p:nvSpPr>
+          <p:cNvPr id="3" name="Content Placeholder 2"/>
+          <p:cNvSpPr>
+            <a:spLocks noGrp="1"/>
+          </p:cNvSpPr>
+          <p:nvPr>
+            <p:ph idx="1"/>
+          </p:nvPr>
+        </p:nvSpPr>
+        <p:spPr/>
+        <p:txBody>
+          <a:bodyPr/>
+          <a:lstStyle/>
+          <a:p>
+            <a:r>
+              <a:rPr lang="en-US" dirty="0" smtClean="0"/>
+              <a:t>Data set: </a:t>
+            </a:r>
+            <a:r>
+              <a:rPr lang="en-US" dirty="0"/>
+              <a:t>citation network with 29,896 nodes and 66,166 </a:t>
+            </a:r>
+            <a:r>
+              <a:rPr lang="en-US" dirty="0" smtClean="0"/>
+              <a:t>edges</a:t>
+            </a:r>
+          </a:p>
+          <a:p>
+            <a:r>
+              <a:rPr lang="en-US" dirty="0" smtClean="0"/>
+              <a:t>Comparison methods: Node2vec, Doc2vec, NV+DV, </a:t>
+            </a:r>
+            <a:r>
+              <a:rPr lang="en-US" dirty="0" err="1" smtClean="0"/>
+              <a:t>TriDNR</a:t>
+            </a:r>
+            <a:r>
+              <a:rPr lang="en-US" dirty="0" smtClean="0"/>
+              <a:t>, CANE</a:t>
+            </a:r>
+          </a:p>
+          <a:p>
+            <a:r>
+              <a:rPr lang="en-US" dirty="0" smtClean="0"/>
+              <a:t>MAI-LS  is </a:t>
+            </a:r>
+            <a:r>
+              <a:rPr lang="en-US" dirty="0"/>
+              <a:t>Multi-aspect Interaction Learning </a:t>
+            </a:r>
+            <a:r>
+              <a:rPr lang="en-US" dirty="0" smtClean="0"/>
+              <a:t>System</a:t>
+            </a:r>
+          </a:p>
+          <a:p>
+            <a:r>
+              <a:rPr lang="en-US" dirty="0" smtClean="0"/>
+              <a:t>MAI-ECS is the full model</a:t>
+            </a:r>
+          </a:p>
+        </p:txBody>
+      </p:sp>
+      <p:pic>
+        <p:nvPicPr>
+          <p:cNvPr id="4" name="Picture 3"/>
+          <p:cNvPicPr>
+            <a:picLocks noChangeAspect="1"/>
+          </p:cNvPicPr>
+          <p:nvPr/>
+        </p:nvPicPr>
+        <p:blipFill>
+          <a:blip r:embed="rId2"/>
+          <a:stretch>
+            <a:fillRect/>
+          </a:stretch>
+        </p:blipFill>
+        <p:spPr>
+          <a:xfrm>
+            <a:off x="558800" y="4731727"/>
+            <a:ext cx="11074400" cy="1816100"/>
+          </a:xfrm>
+          <a:prstGeom prst="rect">
+            <a:avLst/>
+          </a:prstGeom>
+        </p:spPr>
+      </p:pic>
+      <p:sp>
+        <p:nvSpPr>
+          <p:cNvPr id="6" name="Rounded Rectangle 5"/>
+          <p:cNvSpPr/>
+          <p:nvPr/>
+        </p:nvSpPr>
+        <p:spPr>
+          <a:xfrm>
+            <a:off x="698500" y="4021007"/>
+            <a:ext cx="4887433" cy="458234"/>
+          </a:xfrm>
+          <a:prstGeom prst="roundRect">
+            <a:avLst/>
+          </a:prstGeom>
+        </p:spPr>
+        <p:style>
+          <a:lnRef idx="2">
+            <a:schemeClr val="accent1">
+              <a:shade val="50000"/>
+            </a:schemeClr>
+          </a:lnRef>
+          <a:fillRef idx="1">
+            <a:schemeClr val="accent1"/>
+          </a:fillRef>
+          <a:effectRef idx="0">
+            <a:schemeClr val="accent1"/>
+          </a:effectRef>
+          <a:fontRef idx="minor">
+            <a:schemeClr val="lt1"/>
+          </a:fontRef>
+        </p:style>
+        <p:txBody>
+          <a:bodyPr rtlCol="0" anchor="ctr"/>
+          <a:lstStyle/>
+          <a:p>
+            <a:pPr algn="ctr"/>
+            <a:r>
+              <a:rPr lang="en-US" dirty="0"/>
+              <a:t>Importance of considering node </a:t>
+            </a:r>
+            <a:r>
+              <a:rPr lang="en-US" dirty="0" smtClean="0"/>
+              <a:t>content</a:t>
+            </a:r>
+            <a:endParaRPr lang="en-US" dirty="0"/>
+          </a:p>
+        </p:txBody>
+      </p:sp>
+      <p:sp>
+        <p:nvSpPr>
+          <p:cNvPr id="7" name="Rounded Rectangle 6"/>
+          <p:cNvSpPr/>
+          <p:nvPr/>
+        </p:nvSpPr>
+        <p:spPr>
+          <a:xfrm>
+            <a:off x="5865333" y="4046520"/>
+            <a:ext cx="4887433" cy="458234"/>
+          </a:xfrm>
+          <a:prstGeom prst="roundRect">
+            <a:avLst/>
+          </a:prstGeom>
+        </p:spPr>
+        <p:style>
+          <a:lnRef idx="2">
+            <a:schemeClr val="accent1">
+              <a:shade val="50000"/>
+            </a:schemeClr>
+          </a:lnRef>
+          <a:fillRef idx="1">
+            <a:schemeClr val="accent1"/>
+          </a:fillRef>
+          <a:effectRef idx="0">
+            <a:schemeClr val="accent1"/>
+          </a:effectRef>
+          <a:fontRef idx="minor">
+            <a:schemeClr val="lt1"/>
+          </a:fontRef>
+        </p:style>
+        <p:txBody>
+          <a:bodyPr rtlCol="0" anchor="ctr"/>
+          <a:lstStyle/>
+          <a:p>
+            <a:r>
+              <a:rPr lang="en-US" dirty="0"/>
+              <a:t>Importance of the way to learn node content</a:t>
+            </a:r>
+          </a:p>
+        </p:txBody>
+      </p:sp>
+      <p:sp>
+        <p:nvSpPr>
+          <p:cNvPr id="8" name="Rounded Rectangle 7"/>
+          <p:cNvSpPr/>
+          <p:nvPr/>
+        </p:nvSpPr>
+        <p:spPr>
+          <a:xfrm>
+            <a:off x="6745767" y="3503584"/>
+            <a:ext cx="4887433" cy="458234"/>
+          </a:xfrm>
+          <a:prstGeom prst="roundRect">
+            <a:avLst/>
+          </a:prstGeom>
+        </p:spPr>
+        <p:style>
+          <a:lnRef idx="2">
+            <a:schemeClr val="accent1">
+              <a:shade val="50000"/>
+            </a:schemeClr>
+          </a:lnRef>
+          <a:fillRef idx="1">
+            <a:schemeClr val="accent1"/>
+          </a:fillRef>
+          <a:effectRef idx="0">
+            <a:schemeClr val="accent1"/>
+          </a:effectRef>
+          <a:fontRef idx="minor">
+            <a:schemeClr val="lt1"/>
+          </a:fontRef>
+        </p:style>
+        <p:txBody>
+          <a:bodyPr rtlCol="0" anchor="ctr"/>
+          <a:lstStyle/>
+          <a:p>
+            <a:r>
+              <a:rPr lang="en-US" dirty="0"/>
+              <a:t>Contribution of influence propagation system</a:t>
+            </a:r>
+            <a:endParaRPr lang="en-US" dirty="0"/>
+          </a:p>
+        </p:txBody>
+      </p:sp>
+    </p:spTree>
+    <p:extLst>
+      <p:ext uri="{BB962C8B-B14F-4D97-AF65-F5344CB8AC3E}">
+        <p14:creationId xmlns:p14="http://schemas.microsoft.com/office/powerpoint/2010/main" val="1227326050"/>
       </p:ext>
     </p:extLst>
   </p:cSld>
